--- a/PyGotham2014.pptx
+++ b/PyGotham2014.pptx
@@ -26,8 +26,8 @@
     <p:sldId id="267" r:id="rId14"/>
     <p:sldId id="272" r:id="rId15"/>
     <p:sldId id="271" r:id="rId16"/>
-    <p:sldId id="269" r:id="rId17"/>
-    <p:sldId id="276" r:id="rId18"/>
+    <p:sldId id="276" r:id="rId17"/>
+    <p:sldId id="269" r:id="rId18"/>
   </p:sldIdLst>
   <p:sldSz cx="9144000" cy="6858000" type="screen4x3"/>
   <p:notesSz cx="6858000" cy="9144000"/>
@@ -5529,7 +5529,7 @@
                   <a:srgbClr val="CCFFCC"/>
                 </a:solidFill>
               </a:rPr>
-              <a:t>Is that it?</a:t>
+              <a:t>That’s All Folks!</a:t>
             </a:r>
             <a:endParaRPr lang="en-US" sz="5400" dirty="0">
               <a:solidFill>
@@ -5539,43 +5539,9 @@
           </a:p>
         </p:txBody>
       </p:sp>
-      <p:sp>
-        <p:nvSpPr>
-          <p:cNvPr id="8" name="TextBox 7"/>
-          <p:cNvSpPr txBox="1"/>
-          <p:nvPr/>
-        </p:nvSpPr>
-        <p:spPr>
-          <a:xfrm>
-            <a:off x="278190" y="961144"/>
-            <a:ext cx="8672286" cy="646331"/>
-          </a:xfrm>
-          <a:prstGeom prst="rect">
-            <a:avLst/>
-          </a:prstGeom>
-          <a:noFill/>
-        </p:spPr>
-        <p:txBody>
-          <a:bodyPr wrap="square" rtlCol="0">
-            <a:spAutoFit/>
-          </a:bodyPr>
-          <a:lstStyle/>
-          <a:p>
-            <a:pPr algn="ctr"/>
-            <a:r>
-              <a:rPr lang="en-US" sz="3600" dirty="0" smtClean="0">
-                <a:solidFill>
-                  <a:srgbClr val="CCFFCC"/>
-                </a:solidFill>
-              </a:rPr>
-              <a:t>Demonstration</a:t>
-            </a:r>
-          </a:p>
-        </p:txBody>
-      </p:sp>
       <p:pic>
         <p:nvPicPr>
-          <p:cNvPr id="4" name="Picture 3" descr="KE_68-1929_1962_Demonstration-copy.jpg"/>
+          <p:cNvPr id="5" name="Picture 4" descr="an_audience_watches_a_film_through_3d_glasses.jpg"/>
           <p:cNvPicPr>
             <a:picLocks noChangeAspect="1"/>
           </p:cNvPicPr>
@@ -5595,8 +5561,8 @@
         </p:blipFill>
         <p:spPr>
           <a:xfrm>
-            <a:off x="611003" y="1607475"/>
-            <a:ext cx="7847197" cy="5027110"/>
+            <a:off x="1190510" y="1803400"/>
+            <a:ext cx="6966423" cy="4644282"/>
           </a:xfrm>
           <a:prstGeom prst="rect">
             <a:avLst/>
@@ -5606,7 +5572,7 @@
     </p:spTree>
     <p:extLst>
       <p:ext uri="{BB962C8B-B14F-4D97-AF65-F5344CB8AC3E}">
-        <p14:creationId xmlns:p14="http://schemas.microsoft.com/office/powerpoint/2010/main" val="473573966"/>
+        <p14:creationId xmlns:p14="http://schemas.microsoft.com/office/powerpoint/2010/main" val="2446915656"/>
       </p:ext>
     </p:extLst>
   </p:cSld>
@@ -5697,7 +5663,7 @@
                   <a:srgbClr val="CCFFCC"/>
                 </a:solidFill>
               </a:rPr>
-              <a:t>That’s All Folks!</a:t>
+              <a:t>Is that it?</a:t>
             </a:r>
             <a:endParaRPr lang="en-US" sz="5400" dirty="0">
               <a:solidFill>
@@ -5707,9 +5673,43 @@
           </a:p>
         </p:txBody>
       </p:sp>
+      <p:sp>
+        <p:nvSpPr>
+          <p:cNvPr id="8" name="TextBox 7"/>
+          <p:cNvSpPr txBox="1"/>
+          <p:nvPr/>
+        </p:nvSpPr>
+        <p:spPr>
+          <a:xfrm>
+            <a:off x="278190" y="961144"/>
+            <a:ext cx="8672286" cy="646331"/>
+          </a:xfrm>
+          <a:prstGeom prst="rect">
+            <a:avLst/>
+          </a:prstGeom>
+          <a:noFill/>
+        </p:spPr>
+        <p:txBody>
+          <a:bodyPr wrap="square" rtlCol="0">
+            <a:spAutoFit/>
+          </a:bodyPr>
+          <a:lstStyle/>
+          <a:p>
+            <a:pPr algn="ctr"/>
+            <a:r>
+              <a:rPr lang="en-US" sz="3600" dirty="0" smtClean="0">
+                <a:solidFill>
+                  <a:srgbClr val="CCFFCC"/>
+                </a:solidFill>
+              </a:rPr>
+              <a:t>Demonstration</a:t>
+            </a:r>
+          </a:p>
+        </p:txBody>
+      </p:sp>
       <p:pic>
         <p:nvPicPr>
-          <p:cNvPr id="5" name="Picture 4" descr="an_audience_watches_a_film_through_3d_glasses.jpg"/>
+          <p:cNvPr id="4" name="Picture 3" descr="KE_68-1929_1962_Demonstration-copy.jpg"/>
           <p:cNvPicPr>
             <a:picLocks noChangeAspect="1"/>
           </p:cNvPicPr>
@@ -5729,8 +5729,8 @@
         </p:blipFill>
         <p:spPr>
           <a:xfrm>
-            <a:off x="1190510" y="1803400"/>
-            <a:ext cx="6966423" cy="4644282"/>
+            <a:off x="611003" y="1607475"/>
+            <a:ext cx="7847197" cy="5027110"/>
           </a:xfrm>
           <a:prstGeom prst="rect">
             <a:avLst/>
@@ -5740,7 +5740,7 @@
     </p:spTree>
     <p:extLst>
       <p:ext uri="{BB962C8B-B14F-4D97-AF65-F5344CB8AC3E}">
-        <p14:creationId xmlns:p14="http://schemas.microsoft.com/office/powerpoint/2010/main" val="2446915656"/>
+        <p14:creationId xmlns:p14="http://schemas.microsoft.com/office/powerpoint/2010/main" val="473573966"/>
       </p:ext>
     </p:extLst>
   </p:cSld>
@@ -6515,7 +6515,7 @@
                   <a:srgbClr val="CCFFCC"/>
                 </a:solidFill>
               </a:rPr>
-              <a:t>History: The Dark Ages</a:t>
+              <a:t>The Dark Ages</a:t>
             </a:r>
             <a:endParaRPr lang="en-US" sz="5400" dirty="0">
               <a:solidFill>
